--- a/figures/xctr2019.pptx
+++ b/figures/xctr2019.pptx
@@ -2151,7 +2151,7 @@
                 </a:solidFill>
                 <a:latin typeface="Calibri"/>
               </a:rPr>
-              <a:t>1/15/2020</a:t>
+              <a:t>1/17/2020</a:t>
             </a:fld>
             <a:endParaRPr lang="en-US" sz="800" b="0" strike="noStrike" spc="0">
               <a:latin typeface="Times New Roman"/>
@@ -2979,7 +2979,7 @@
         </p:nvSpPr>
         <p:spPr>
           <a:xfrm>
-            <a:off x="986445" y="722746"/>
+            <a:off x="984064" y="722746"/>
             <a:ext cx="117720" cy="112321"/>
           </a:xfrm>
           <a:prstGeom prst="rect">
@@ -3039,7 +3039,7 @@
         </p:nvSpPr>
         <p:spPr>
           <a:xfrm>
-            <a:off x="1104165" y="722746"/>
+            <a:off x="1101784" y="722746"/>
             <a:ext cx="117720" cy="112321"/>
           </a:xfrm>
           <a:prstGeom prst="rect">
@@ -3099,7 +3099,7 @@
         </p:nvSpPr>
         <p:spPr>
           <a:xfrm>
-            <a:off x="1223325" y="722746"/>
+            <a:off x="1220944" y="722746"/>
             <a:ext cx="117720" cy="112321"/>
           </a:xfrm>
           <a:prstGeom prst="rect">
@@ -3159,7 +3159,7 @@
         </p:nvSpPr>
         <p:spPr>
           <a:xfrm>
-            <a:off x="1341046" y="722746"/>
+            <a:off x="1338665" y="722746"/>
             <a:ext cx="117720" cy="112321"/>
           </a:xfrm>
           <a:prstGeom prst="rect">
@@ -3219,7 +3219,7 @@
         </p:nvSpPr>
         <p:spPr>
           <a:xfrm>
-            <a:off x="1459126" y="722746"/>
+            <a:off x="1456745" y="722746"/>
             <a:ext cx="117720" cy="112321"/>
           </a:xfrm>
           <a:prstGeom prst="rect">
@@ -3279,7 +3279,7 @@
         </p:nvSpPr>
         <p:spPr>
           <a:xfrm>
-            <a:off x="1577926" y="722746"/>
+            <a:off x="1575545" y="722746"/>
             <a:ext cx="117720" cy="112321"/>
           </a:xfrm>
           <a:prstGeom prst="rect">
@@ -3339,7 +3339,7 @@
         </p:nvSpPr>
         <p:spPr>
           <a:xfrm>
-            <a:off x="1696006" y="722746"/>
+            <a:off x="1693625" y="722746"/>
             <a:ext cx="117720" cy="112321"/>
           </a:xfrm>
           <a:prstGeom prst="rect">
@@ -3399,7 +3399,7 @@
         </p:nvSpPr>
         <p:spPr>
           <a:xfrm>
-            <a:off x="1814806" y="722746"/>
+            <a:off x="1810044" y="722746"/>
             <a:ext cx="117720" cy="112321"/>
           </a:xfrm>
           <a:prstGeom prst="rect">
@@ -3459,7 +3459,7 @@
         </p:nvSpPr>
         <p:spPr>
           <a:xfrm>
-            <a:off x="1932886" y="722746"/>
+            <a:off x="1928124" y="722746"/>
             <a:ext cx="117720" cy="112321"/>
           </a:xfrm>
           <a:prstGeom prst="rect">
@@ -3519,7 +3519,7 @@
         </p:nvSpPr>
         <p:spPr>
           <a:xfrm>
-            <a:off x="2050606" y="722746"/>
+            <a:off x="2045844" y="722746"/>
             <a:ext cx="117720" cy="112321"/>
           </a:xfrm>
           <a:prstGeom prst="rect">
@@ -3799,7 +3799,7 @@
         </p:nvSpPr>
         <p:spPr>
           <a:xfrm>
-            <a:off x="990047" y="612229"/>
+            <a:off x="987666" y="612229"/>
             <a:ext cx="117720" cy="112321"/>
           </a:xfrm>
           <a:prstGeom prst="rect">
@@ -3854,7 +3854,7 @@
         </p:nvSpPr>
         <p:spPr>
           <a:xfrm>
-            <a:off x="1108847" y="612229"/>
+            <a:off x="1106466" y="612229"/>
             <a:ext cx="117720" cy="112321"/>
           </a:xfrm>
           <a:prstGeom prst="rect">
@@ -3909,7 +3909,7 @@
         </p:nvSpPr>
         <p:spPr>
           <a:xfrm>
-            <a:off x="1226927" y="612229"/>
+            <a:off x="1224546" y="612229"/>
             <a:ext cx="117720" cy="112321"/>
           </a:xfrm>
           <a:prstGeom prst="rect">
@@ -3964,7 +3964,7 @@
         </p:nvSpPr>
         <p:spPr>
           <a:xfrm>
-            <a:off x="1345727" y="612229"/>
+            <a:off x="1343346" y="612229"/>
             <a:ext cx="117720" cy="112321"/>
           </a:xfrm>
           <a:prstGeom prst="rect">
@@ -4019,7 +4019,7 @@
         </p:nvSpPr>
         <p:spPr>
           <a:xfrm>
-            <a:off x="1463805" y="612229"/>
+            <a:off x="1461424" y="612229"/>
             <a:ext cx="117720" cy="112321"/>
           </a:xfrm>
           <a:prstGeom prst="rect">
@@ -4074,7 +4074,7 @@
         </p:nvSpPr>
         <p:spPr>
           <a:xfrm>
-            <a:off x="1581525" y="612229"/>
+            <a:off x="1579144" y="612229"/>
             <a:ext cx="117720" cy="112321"/>
           </a:xfrm>
           <a:prstGeom prst="rect">
@@ -4129,7 +4129,7 @@
         </p:nvSpPr>
         <p:spPr>
           <a:xfrm>
-            <a:off x="1700685" y="612229"/>
+            <a:off x="1698304" y="612229"/>
             <a:ext cx="117720" cy="112321"/>
           </a:xfrm>
           <a:prstGeom prst="rect">
@@ -4184,7 +4184,7 @@
         </p:nvSpPr>
         <p:spPr>
           <a:xfrm>
-            <a:off x="1818406" y="612229"/>
+            <a:off x="1813644" y="612229"/>
             <a:ext cx="117720" cy="112321"/>
           </a:xfrm>
           <a:prstGeom prst="rect">
@@ -4239,7 +4239,7 @@
         </p:nvSpPr>
         <p:spPr>
           <a:xfrm>
-            <a:off x="1937566" y="612229"/>
+            <a:off x="1932804" y="612229"/>
             <a:ext cx="117720" cy="112321"/>
           </a:xfrm>
           <a:prstGeom prst="rect">
@@ -4294,7 +4294,7 @@
         </p:nvSpPr>
         <p:spPr>
           <a:xfrm>
-            <a:off x="2055286" y="612229"/>
+            <a:off x="2050524" y="612229"/>
             <a:ext cx="117720" cy="112321"/>
           </a:xfrm>
           <a:prstGeom prst="rect">
@@ -4749,7 +4749,7 @@
         </p:nvSpPr>
         <p:spPr>
           <a:xfrm>
-            <a:off x="986445" y="835778"/>
+            <a:off x="984064" y="835778"/>
             <a:ext cx="117720" cy="104400"/>
           </a:xfrm>
           <a:prstGeom prst="rect">
@@ -4807,7 +4807,7 @@
         </p:nvSpPr>
         <p:spPr>
           <a:xfrm>
-            <a:off x="1104165" y="835778"/>
+            <a:off x="1101784" y="835778"/>
             <a:ext cx="117720" cy="104400"/>
           </a:xfrm>
           <a:prstGeom prst="rect">
@@ -4865,7 +4865,7 @@
         </p:nvSpPr>
         <p:spPr>
           <a:xfrm>
-            <a:off x="1223325" y="835778"/>
+            <a:off x="1220944" y="835778"/>
             <a:ext cx="117720" cy="104400"/>
           </a:xfrm>
           <a:prstGeom prst="rect">
@@ -4923,7 +4923,7 @@
         </p:nvSpPr>
         <p:spPr>
           <a:xfrm>
-            <a:off x="1341046" y="835778"/>
+            <a:off x="1338665" y="835778"/>
             <a:ext cx="117720" cy="104400"/>
           </a:xfrm>
           <a:prstGeom prst="rect">
@@ -4981,7 +4981,7 @@
         </p:nvSpPr>
         <p:spPr>
           <a:xfrm>
-            <a:off x="1459126" y="835778"/>
+            <a:off x="1456745" y="835778"/>
             <a:ext cx="117720" cy="104400"/>
           </a:xfrm>
           <a:prstGeom prst="rect">
@@ -5039,7 +5039,7 @@
         </p:nvSpPr>
         <p:spPr>
           <a:xfrm>
-            <a:off x="1577926" y="835778"/>
+            <a:off x="1575545" y="835778"/>
             <a:ext cx="117720" cy="104400"/>
           </a:xfrm>
           <a:prstGeom prst="rect">
@@ -5097,7 +5097,7 @@
         </p:nvSpPr>
         <p:spPr>
           <a:xfrm>
-            <a:off x="1696006" y="835778"/>
+            <a:off x="1693625" y="835778"/>
             <a:ext cx="117720" cy="104400"/>
           </a:xfrm>
           <a:prstGeom prst="rect">
@@ -5155,7 +5155,7 @@
         </p:nvSpPr>
         <p:spPr>
           <a:xfrm>
-            <a:off x="1814806" y="835778"/>
+            <a:off x="1810044" y="835778"/>
             <a:ext cx="117720" cy="104400"/>
           </a:xfrm>
           <a:prstGeom prst="rect">
@@ -5213,7 +5213,7 @@
         </p:nvSpPr>
         <p:spPr>
           <a:xfrm>
-            <a:off x="1932886" y="835778"/>
+            <a:off x="1928124" y="835778"/>
             <a:ext cx="117720" cy="104400"/>
           </a:xfrm>
           <a:prstGeom prst="rect">
@@ -5271,7 +5271,7 @@
         </p:nvSpPr>
         <p:spPr>
           <a:xfrm>
-            <a:off x="2050606" y="835778"/>
+            <a:off x="2045844" y="835778"/>
             <a:ext cx="117720" cy="104400"/>
           </a:xfrm>
           <a:prstGeom prst="rect">
@@ -15425,7 +15425,7 @@
         </p:nvSpPr>
         <p:spPr>
           <a:xfrm>
-            <a:off x="986445" y="938646"/>
+            <a:off x="984064" y="938646"/>
             <a:ext cx="117720" cy="112321"/>
           </a:xfrm>
           <a:prstGeom prst="rect">
@@ -19871,6 +19871,266 @@
               <a:rPr lang="en-CA" sz="1000" dirty="0"/>
               <a:t>’</a:t>
             </a:r>
+          </a:p>
+        </p:txBody>
+      </p:sp>
+      <p:sp>
+        <p:nvSpPr>
+          <p:cNvPr id="2" name="Rectangle: Rounded Corners 1">
+            <a:extLst>
+              <a:ext uri="{FF2B5EF4-FFF2-40B4-BE49-F238E27FC236}">
+                <a16:creationId xmlns:a16="http://schemas.microsoft.com/office/drawing/2014/main" id="{BC23E94E-91C7-45DF-BF29-CA7618766D9B}"/>
+              </a:ext>
+            </a:extLst>
+          </p:cNvPr>
+          <p:cNvSpPr/>
+          <p:nvPr/>
+        </p:nvSpPr>
+        <p:spPr>
+          <a:xfrm>
+            <a:off x="2624363" y="71058"/>
+            <a:ext cx="200175" cy="421832"/>
+          </a:xfrm>
+          <a:prstGeom prst="roundRect">
+            <a:avLst/>
+          </a:prstGeom>
+          <a:noFill/>
+          <a:ln w="19050">
+            <a:solidFill>
+              <a:srgbClr val="7030A0"/>
+            </a:solidFill>
+          </a:ln>
+        </p:spPr>
+        <p:style>
+          <a:lnRef idx="2">
+            <a:schemeClr val="accent1">
+              <a:shade val="50000"/>
+            </a:schemeClr>
+          </a:lnRef>
+          <a:fillRef idx="1">
+            <a:schemeClr val="accent1"/>
+          </a:fillRef>
+          <a:effectRef idx="0">
+            <a:schemeClr val="accent1"/>
+          </a:effectRef>
+          <a:fontRef idx="minor">
+            <a:schemeClr val="lt1"/>
+          </a:fontRef>
+        </p:style>
+        <p:txBody>
+          <a:bodyPr rtlCol="0" anchor="ctr"/>
+          <a:lstStyle/>
+          <a:p>
+            <a:pPr algn="ctr"/>
+            <a:endParaRPr lang="en-CA"/>
+          </a:p>
+        </p:txBody>
+      </p:sp>
+      <p:sp>
+        <p:nvSpPr>
+          <p:cNvPr id="301" name="Rectangle: Rounded Corners 300">
+            <a:extLst>
+              <a:ext uri="{FF2B5EF4-FFF2-40B4-BE49-F238E27FC236}">
+                <a16:creationId xmlns:a16="http://schemas.microsoft.com/office/drawing/2014/main" id="{03BFBF39-C346-4591-9467-11F2D2402BB1}"/>
+              </a:ext>
+            </a:extLst>
+          </p:cNvPr>
+          <p:cNvSpPr/>
+          <p:nvPr/>
+        </p:nvSpPr>
+        <p:spPr>
+          <a:xfrm>
+            <a:off x="2598392" y="1163797"/>
+            <a:ext cx="200175" cy="224656"/>
+          </a:xfrm>
+          <a:prstGeom prst="roundRect">
+            <a:avLst/>
+          </a:prstGeom>
+          <a:noFill/>
+          <a:ln w="19050">
+            <a:solidFill>
+              <a:srgbClr val="7030A0"/>
+            </a:solidFill>
+          </a:ln>
+        </p:spPr>
+        <p:style>
+          <a:lnRef idx="2">
+            <a:schemeClr val="accent1">
+              <a:shade val="50000"/>
+            </a:schemeClr>
+          </a:lnRef>
+          <a:fillRef idx="1">
+            <a:schemeClr val="accent1"/>
+          </a:fillRef>
+          <a:effectRef idx="0">
+            <a:schemeClr val="accent1"/>
+          </a:effectRef>
+          <a:fontRef idx="minor">
+            <a:schemeClr val="lt1"/>
+          </a:fontRef>
+        </p:style>
+        <p:txBody>
+          <a:bodyPr rtlCol="0" anchor="ctr"/>
+          <a:lstStyle/>
+          <a:p>
+            <a:pPr algn="ctr"/>
+            <a:endParaRPr lang="en-CA"/>
+          </a:p>
+        </p:txBody>
+      </p:sp>
+      <p:sp>
+        <p:nvSpPr>
+          <p:cNvPr id="324" name="Rectangle: Rounded Corners 323">
+            <a:extLst>
+              <a:ext uri="{FF2B5EF4-FFF2-40B4-BE49-F238E27FC236}">
+                <a16:creationId xmlns:a16="http://schemas.microsoft.com/office/drawing/2014/main" id="{5E135592-5E19-4AE0-B3BB-E64D403CD8B9}"/>
+              </a:ext>
+            </a:extLst>
+          </p:cNvPr>
+          <p:cNvSpPr/>
+          <p:nvPr/>
+        </p:nvSpPr>
+        <p:spPr>
+          <a:xfrm>
+            <a:off x="2060925" y="1394560"/>
+            <a:ext cx="170498" cy="117193"/>
+          </a:xfrm>
+          <a:prstGeom prst="roundRect">
+            <a:avLst/>
+          </a:prstGeom>
+          <a:noFill/>
+          <a:ln w="19050">
+            <a:solidFill>
+              <a:srgbClr val="7030A0"/>
+            </a:solidFill>
+          </a:ln>
+        </p:spPr>
+        <p:style>
+          <a:lnRef idx="2">
+            <a:schemeClr val="accent1">
+              <a:shade val="50000"/>
+            </a:schemeClr>
+          </a:lnRef>
+          <a:fillRef idx="1">
+            <a:schemeClr val="accent1"/>
+          </a:fillRef>
+          <a:effectRef idx="0">
+            <a:schemeClr val="accent1"/>
+          </a:effectRef>
+          <a:fontRef idx="minor">
+            <a:schemeClr val="lt1"/>
+          </a:fontRef>
+        </p:style>
+        <p:txBody>
+          <a:bodyPr rtlCol="0" anchor="ctr"/>
+          <a:lstStyle/>
+          <a:p>
+            <a:pPr algn="ctr"/>
+            <a:endParaRPr lang="en-CA"/>
+          </a:p>
+        </p:txBody>
+      </p:sp>
+      <p:sp>
+        <p:nvSpPr>
+          <p:cNvPr id="326" name="Rectangle: Rounded Corners 325">
+            <a:extLst>
+              <a:ext uri="{FF2B5EF4-FFF2-40B4-BE49-F238E27FC236}">
+                <a16:creationId xmlns:a16="http://schemas.microsoft.com/office/drawing/2014/main" id="{AA72DA90-B139-4C7F-9458-050BB0FE715F}"/>
+              </a:ext>
+            </a:extLst>
+          </p:cNvPr>
+          <p:cNvSpPr/>
+          <p:nvPr/>
+        </p:nvSpPr>
+        <p:spPr>
+          <a:xfrm>
+            <a:off x="2060927" y="1768419"/>
+            <a:ext cx="170498" cy="117193"/>
+          </a:xfrm>
+          <a:prstGeom prst="roundRect">
+            <a:avLst/>
+          </a:prstGeom>
+          <a:noFill/>
+          <a:ln w="19050">
+            <a:solidFill>
+              <a:srgbClr val="7030A0"/>
+            </a:solidFill>
+          </a:ln>
+        </p:spPr>
+        <p:style>
+          <a:lnRef idx="2">
+            <a:schemeClr val="accent1">
+              <a:shade val="50000"/>
+            </a:schemeClr>
+          </a:lnRef>
+          <a:fillRef idx="1">
+            <a:schemeClr val="accent1"/>
+          </a:fillRef>
+          <a:effectRef idx="0">
+            <a:schemeClr val="accent1"/>
+          </a:effectRef>
+          <a:fontRef idx="minor">
+            <a:schemeClr val="lt1"/>
+          </a:fontRef>
+        </p:style>
+        <p:txBody>
+          <a:bodyPr rtlCol="0" anchor="ctr"/>
+          <a:lstStyle/>
+          <a:p>
+            <a:pPr algn="ctr"/>
+            <a:endParaRPr lang="en-CA"/>
+          </a:p>
+        </p:txBody>
+      </p:sp>
+      <p:sp>
+        <p:nvSpPr>
+          <p:cNvPr id="385" name="Rectangle: Rounded Corners 384">
+            <a:extLst>
+              <a:ext uri="{FF2B5EF4-FFF2-40B4-BE49-F238E27FC236}">
+                <a16:creationId xmlns:a16="http://schemas.microsoft.com/office/drawing/2014/main" id="{3224CDA4-DA37-42F7-91FA-8C63995D9F86}"/>
+              </a:ext>
+            </a:extLst>
+          </p:cNvPr>
+          <p:cNvSpPr/>
+          <p:nvPr/>
+        </p:nvSpPr>
+        <p:spPr>
+          <a:xfrm>
+            <a:off x="2248252" y="1911294"/>
+            <a:ext cx="170498" cy="117193"/>
+          </a:xfrm>
+          <a:prstGeom prst="roundRect">
+            <a:avLst/>
+          </a:prstGeom>
+          <a:noFill/>
+          <a:ln w="19050">
+            <a:solidFill>
+              <a:srgbClr val="7030A0"/>
+            </a:solidFill>
+          </a:ln>
+        </p:spPr>
+        <p:style>
+          <a:lnRef idx="2">
+            <a:schemeClr val="accent1">
+              <a:shade val="50000"/>
+            </a:schemeClr>
+          </a:lnRef>
+          <a:fillRef idx="1">
+            <a:schemeClr val="accent1"/>
+          </a:fillRef>
+          <a:effectRef idx="0">
+            <a:schemeClr val="accent1"/>
+          </a:effectRef>
+          <a:fontRef idx="minor">
+            <a:schemeClr val="lt1"/>
+          </a:fontRef>
+        </p:style>
+        <p:txBody>
+          <a:bodyPr rtlCol="0" anchor="ctr"/>
+          <a:lstStyle/>
+          <a:p>
+            <a:pPr algn="ctr"/>
+            <a:endParaRPr lang="en-CA"/>
           </a:p>
         </p:txBody>
       </p:sp>
